--- a/src/test/resources/image.pptx
+++ b/src/test/resources/image.pptx
@@ -7395,7 +7395,7 @@
         </p:blipFill>
         <p:spPr>
           <a:xfrm>
-            <a:off x="1684655" y="1689100"/>
+            <a:off x="1849120" y="628015"/>
             <a:ext cx="1457325" cy="2505075"/>
           </a:xfrm>
           <a:prstGeom prst="rect">
@@ -7403,9 +7403,175 @@
           </a:prstGeom>
         </p:spPr>
       </p:pic>
+      <p:pic>
+        <p:nvPicPr>
+          <p:cNvPr id="2" name="图片 1"/>
+          <p:cNvPicPr>
+            <a:picLocks noChangeAspect="1"/>
+          </p:cNvPicPr>
+          <p:nvPr>
+            <p:custDataLst>
+              <p:tags r:id="rId2"/>
+            </p:custDataLst>
+          </p:nvPr>
+        </p:nvPicPr>
+        <p:blipFill>
+          <a:blip r:embed="rId1"/>
+          <a:stretch>
+            <a:fillRect/>
+          </a:stretch>
+        </p:blipFill>
+        <p:spPr>
+          <a:xfrm>
+            <a:off x="8637905" y="628015"/>
+            <a:ext cx="1457325" cy="2505075"/>
+          </a:xfrm>
+          <a:prstGeom prst="rect">
+            <a:avLst/>
+          </a:prstGeom>
+        </p:spPr>
+      </p:pic>
+      <p:sp>
+        <p:nvSpPr>
+          <p:cNvPr id="5" name="文本框 4"/>
+          <p:cNvSpPr txBox="1"/>
+          <p:nvPr/>
+        </p:nvSpPr>
+        <p:spPr>
+          <a:xfrm>
+            <a:off x="1741170" y="3378835"/>
+            <a:ext cx="8804910" cy="2891790"/>
+          </a:xfrm>
+          <a:prstGeom prst="rect">
+            <a:avLst/>
+          </a:prstGeom>
+          <a:noFill/>
+        </p:spPr>
+        <p:txBody>
+          <a:bodyPr wrap="square" rtlCol="0">
+            <a:spAutoFit/>
+          </a:bodyPr>
+          <a:p>
+            <a:r>
+              <a:rPr lang="zh-CN" altLang="en-US"/>
+              <a:t>左侧这个图片带</a:t>
+            </a:r>
+            <a:r>
+              <a:rPr lang="en-US" altLang="zh-CN"/>
+              <a:t> #img1</a:t>
+            </a:r>
+            <a:r>
+              <a:rPr lang="zh-CN" altLang="en-US"/>
+              <a:t>，</a:t>
+            </a:r>
+            <a:r>
+              <a:rPr lang="en-US" altLang="zh-CN"/>
+              <a:t>                                                                  </a:t>
+            </a:r>
+            <a:r>
+              <a:rPr lang="zh-CN" altLang="en-US"/>
+              <a:t>右侧图片不</a:t>
+            </a:r>
+            <a:r>
+              <a:rPr lang="zh-CN" altLang="en-US"/>
+              <a:t>带。</a:t>
+            </a:r>
+            <a:endParaRPr lang="zh-CN" altLang="en-US"/>
+          </a:p>
+          <a:p>
+            <a:r>
+              <a:rPr lang="zh-CN" altLang="en-US"/>
+              <a:t>但是</a:t>
+            </a:r>
+            <a:r>
+              <a:rPr lang="en-US" altLang="zh-CN"/>
+              <a:t>2</a:t>
+            </a:r>
+            <a:r>
+              <a:rPr lang="zh-CN" altLang="en-US"/>
+              <a:t>个图片都会被</a:t>
+            </a:r>
+            <a:r>
+              <a:rPr lang="zh-CN" altLang="en-US"/>
+              <a:t>替换。</a:t>
+            </a:r>
+            <a:endParaRPr lang="zh-CN" altLang="en-US"/>
+          </a:p>
+          <a:p>
+            <a:endParaRPr lang="zh-CN" altLang="en-US" sz="2000"/>
+          </a:p>
+          <a:p>
+            <a:r>
+              <a:rPr lang="zh-CN" altLang="en-US" sz="1400"/>
+              <a:t>作为程序员，应该可以理解，如果是相同的图片，ppt底层是存了一份源图片，然后在ppt里引用了2次该图片。</a:t>
+            </a:r>
+            <a:endParaRPr lang="zh-CN" altLang="en-US" sz="1400"/>
+          </a:p>
+          <a:p>
+            <a:r>
+              <a:rPr lang="zh-CN" altLang="en-US" sz="1400"/>
+              <a:t>所以会出现，图片替换后，所有引用的地方都发生了变化。</a:t>
+            </a:r>
+            <a:endParaRPr lang="zh-CN" altLang="en-US" sz="1400"/>
+          </a:p>
+          <a:p>
+            <a:endParaRPr lang="zh-CN" altLang="en-US" sz="1400"/>
+          </a:p>
+          <a:p>
+            <a:r>
+              <a:rPr lang="zh-CN" altLang="en-US" sz="1400"/>
+              <a:t>如果要解决，就得不改变原图片，而是重新插入一个新的图片，并将占位图片的位置、尺寸等信息复制过来。</a:t>
+            </a:r>
+            <a:endParaRPr lang="zh-CN" altLang="en-US" sz="1400"/>
+          </a:p>
+          <a:p>
+            <a:r>
+              <a:rPr lang="zh-CN" altLang="en-US" sz="1400"/>
+              <a:t>这个代码复杂度就变大了。</a:t>
+            </a:r>
+            <a:endParaRPr lang="zh-CN" altLang="en-US" sz="1400"/>
+          </a:p>
+          <a:p>
+            <a:endParaRPr lang="zh-CN" altLang="en-US" sz="1400"/>
+          </a:p>
+          <a:p>
+            <a:r>
+              <a:rPr lang="zh-CN" altLang="en-US" sz="1400"/>
+              <a:t>从用户（开发人员）体验来说，我同意这是一个bug。</a:t>
+            </a:r>
+            <a:endParaRPr lang="zh-CN" altLang="en-US" sz="1400"/>
+          </a:p>
+          <a:p>
+            <a:r>
+              <a:rPr lang="zh-CN" altLang="en-US" sz="1400"/>
+              <a:t>但是从成本收益来说，我还是</a:t>
+            </a:r>
+            <a:r>
+              <a:rPr lang="zh-CN" altLang="en-US" sz="1400">
+                <a:solidFill>
+                  <a:srgbClr val="FF0000"/>
+                </a:solidFill>
+              </a:rPr>
+              <a:t>建议，用2个不同的图片来占位</a:t>
+            </a:r>
+            <a:r>
+              <a:rPr lang="zh-CN" altLang="en-US" sz="1400"/>
+              <a:t>。</a:t>
+            </a:r>
+            <a:endParaRPr lang="zh-CN" altLang="en-US" sz="1400"/>
+          </a:p>
+          <a:p>
+            <a:r>
+              <a:rPr lang="zh-CN" altLang="en-US" sz="1400"/>
+              <a:t>并且这在开发测试阶段就能被发现，不会是一个隐藏的坑。</a:t>
+            </a:r>
+            <a:endParaRPr lang="zh-CN" altLang="en-US" sz="1400"/>
+          </a:p>
+        </p:txBody>
+      </p:sp>
     </p:spTree>
     <p:custDataLst>
-      <p:tags r:id="rId2"/>
+      <p:tags r:id="rId3"/>
     </p:custDataLst>
   </p:cSld>
   <p:clrMapOvr>
@@ -7860,6 +8026,12 @@
 
 <file path=ppt/tags/tag125.xml><?xml version="1.0" encoding="utf-8"?>
 <p:tagLst xmlns:p="http://schemas.openxmlformats.org/presentationml/2006/main">
+  <p:tag name="KSO_WM_BEAUTIFY_FLAG" val=""/>
+</p:tagLst>
+</file>
+
+<file path=ppt/tags/tag126.xml><?xml version="1.0" encoding="utf-8"?>
+<p:tagLst xmlns:p="http://schemas.openxmlformats.org/presentationml/2006/main">
   <p:tag name="KSO_WM_SLIDE_ID" val="custom20205176_1"/>
   <p:tag name="KSO_WM_TEMPLATE_SUBCATEGORY" val="19"/>
   <p:tag name="KSO_WM_TEMPLATE_MASTER_TYPE" val="0"/>
@@ -7879,7 +8051,7 @@
 </p:tagLst>
 </file>
 
-<file path=ppt/tags/tag126.xml><?xml version="1.0" encoding="utf-8"?>
+<file path=ppt/tags/tag127.xml><?xml version="1.0" encoding="utf-8"?>
 <p:tagLst xmlns:p="http://schemas.openxmlformats.org/presentationml/2006/main">
   <p:tag name="KSO_WM_UNIT_HIGHLIGHT" val="0"/>
   <p:tag name="KSO_WM_UNIT_COMPATIBLE" val="0"/>
@@ -7899,7 +8071,7 @@
 </p:tagLst>
 </file>
 
-<file path=ppt/tags/tag127.xml><?xml version="1.0" encoding="utf-8"?>
+<file path=ppt/tags/tag128.xml><?xml version="1.0" encoding="utf-8"?>
 <p:tagLst xmlns:p="http://schemas.openxmlformats.org/presentationml/2006/main">
   <p:tag name="KSO_WM_BEAUTIFY_FLAG" val="#wm#"/>
   <p:tag name="KSO_WM_TEMPLATE_CATEGORY" val="custom"/>
@@ -7921,10 +8093,11 @@
 </p:tagLst>
 </file>
 
-<file path=ppt/tags/tag128.xml><?xml version="1.0" encoding="utf-8"?>
+<file path=ppt/tags/tag129.xml><?xml version="1.0" encoding="utf-8"?>
 <p:tagLst xmlns:p="http://schemas.openxmlformats.org/presentationml/2006/main">
   <p:tag name="COMMONDATA" val="eyJoZGlkIjoiMTU3NzlmYjI5NWRkMWM4ZWEyMTg2ZjIzNmE0ODAwZjMifQ=="/>
   <p:tag name="KSO_WPP_MARK_KEY" val="8e24b64b-9846-4c8f-94c7-b364bd989930"/>
+  <p:tag name="commondata" val="eyJoZGlkIjoiMmYyM2FkNjIwN2U1MjdmZWY0NjVjYTUzNDNlYzlhZmEifQ=="/>
 </p:tagLst>
 </file>
 
